--- a/PresentationHuffmanDecodage-lin.pptx
+++ b/PresentationHuffmanDecodage-lin.pptx
@@ -218,7 +218,7 @@
           <a:p>
             <a:fld id="{74FA4176-4965-43D4-95B8-8A7707AE8F14}" type="datetimeFigureOut">
               <a:rPr lang="fr-FR" smtClean="0"/>
-              <a:t>25/04/2024</a:t>
+              <a:t>29/04/2024</a:t>
             </a:fld>
             <a:endParaRPr lang="fr-FR"/>
           </a:p>
@@ -2493,7 +2493,7 @@
             <a:pPr algn="l"/>
             <a:fld id="{02E15A7B-2C3A-41D9-9A1C-85B8ACF2BCD6}" type="datetime1">
               <a:rPr lang="en-US" smtClean="0"/>
-              <a:t>4/25/2024</a:t>
+              <a:t>4/29/2024</a:t>
             </a:fld>
             <a:endParaRPr lang="en-US" dirty="0"/>
           </a:p>
@@ -2698,7 +2698,7 @@
           <a:p>
             <a:fld id="{FDC8AE5D-CD67-4C10-AFB8-2E79CA2BA643}" type="datetime1">
               <a:rPr lang="en-US" smtClean="0"/>
-              <a:t>4/25/2024</a:t>
+              <a:t>4/29/2024</a:t>
             </a:fld>
             <a:endParaRPr lang="en-US" dirty="0"/>
           </a:p>
@@ -2895,7 +2895,7 @@
           <a:p>
             <a:fld id="{3EEDABAF-32ED-47B1-9403-0F6BA8371F9C}" type="datetime1">
               <a:rPr lang="en-US" smtClean="0"/>
-              <a:t>4/25/2024</a:t>
+              <a:t>4/29/2024</a:t>
             </a:fld>
             <a:endParaRPr lang="en-US" dirty="0"/>
           </a:p>
@@ -3136,7 +3136,7 @@
           <a:p>
             <a:fld id="{92B33F0C-B005-4EEA-B095-FCC3E3BE1490}" type="datetime1">
               <a:rPr lang="en-US" smtClean="0"/>
-              <a:t>4/25/2024</a:t>
+              <a:t>4/29/2024</a:t>
             </a:fld>
             <a:endParaRPr lang="en-US" dirty="0"/>
           </a:p>
@@ -3475,7 +3475,7 @@
           <a:p>
             <a:fld id="{8BC9C290-BBFF-4C9C-BC84-789BFA72C86E}" type="datetime1">
               <a:rPr lang="en-US" smtClean="0"/>
-              <a:t>4/25/2024</a:t>
+              <a:t>4/29/2024</a:t>
             </a:fld>
             <a:endParaRPr lang="en-US" dirty="0"/>
           </a:p>
@@ -3783,7 +3783,7 @@
           <a:p>
             <a:fld id="{97CCE36C-A76A-4E89-8DC3-4B272874EA53}" type="datetime1">
               <a:rPr lang="en-US" smtClean="0"/>
-              <a:t>4/25/2024</a:t>
+              <a:t>4/29/2024</a:t>
             </a:fld>
             <a:endParaRPr lang="en-US" dirty="0"/>
           </a:p>
@@ -4216,7 +4216,7 @@
           <a:p>
             <a:fld id="{CB8A26C5-231A-4899-9472-B5DC617ED757}" type="datetime1">
               <a:rPr lang="en-US" smtClean="0"/>
-              <a:t>4/25/2024</a:t>
+              <a:t>4/29/2024</a:t>
             </a:fld>
             <a:endParaRPr lang="en-US" dirty="0"/>
           </a:p>
@@ -4426,7 +4426,7 @@
           <a:p>
             <a:fld id="{086191B1-1BC7-404E-8B1B-7F2DA2E822DB}" type="datetime1">
               <a:rPr lang="en-US" smtClean="0"/>
-              <a:t>4/25/2024</a:t>
+              <a:t>4/29/2024</a:t>
             </a:fld>
             <a:endParaRPr lang="en-US" dirty="0"/>
           </a:p>
@@ -4547,7 +4547,7 @@
           <a:p>
             <a:fld id="{E46E6999-D060-4091-B224-D1A8BF4E33D0}" type="datetime1">
               <a:rPr lang="en-US" smtClean="0"/>
-              <a:t>4/25/2024</a:t>
+              <a:t>4/29/2024</a:t>
             </a:fld>
             <a:endParaRPr lang="en-US" dirty="0"/>
           </a:p>
@@ -4980,7 +4980,7 @@
           <a:p>
             <a:fld id="{931B03B1-CCF1-4243-86AC-CF511C76B178}" type="datetime1">
               <a:rPr lang="en-US" smtClean="0"/>
-              <a:t>4/25/2024</a:t>
+              <a:t>4/29/2024</a:t>
             </a:fld>
             <a:endParaRPr lang="en-US" dirty="0"/>
           </a:p>
@@ -5345,7 +5345,7 @@
           <a:p>
             <a:fld id="{3A54A451-0A22-4863-83B6-72D6671AACAF}" type="datetime1">
               <a:rPr lang="en-US" smtClean="0"/>
-              <a:t>4/25/2024</a:t>
+              <a:t>4/29/2024</a:t>
             </a:fld>
             <a:endParaRPr lang="en-US" dirty="0"/>
           </a:p>
@@ -5662,7 +5662,7 @@
           <a:p>
             <a:fld id="{817E753B-0B25-43C3-BBF2-3585ABEB91AF}" type="datetime1">
               <a:rPr lang="en-US" smtClean="0"/>
-              <a:t>4/25/2024</a:t>
+              <a:t>4/29/2024</a:t>
             </a:fld>
             <a:endParaRPr lang="en-US" dirty="0"/>
           </a:p>
@@ -6417,12 +6417,8 @@
           <a:lstStyle/>
           <a:p>
             <a:r>
-              <a:rPr lang="fr-FR" dirty="0" err="1"/>
-              <a:t>Decodage</a:t>
-            </a:r>
-            <a:r>
               <a:rPr lang="fr-FR" dirty="0"/>
-              <a:t> </a:t>
+              <a:t>Décodage </a:t>
             </a:r>
             <a:r>
               <a:rPr lang="fr-FR" dirty="0" err="1"/>
@@ -7595,10 +7591,9 @@
           <a:p>
             <a:pPr algn="ctr"/>
             <a:r>
-              <a:rPr lang="fr-FR" sz="1500" dirty="0" err="1"/>
-              <a:t>Decodage</a:t>
+              <a:rPr lang="fr-FR" sz="1500" dirty="0"/>
+              <a:t>Décodage et calcul</a:t>
             </a:r>
-            <a:endParaRPr lang="fr-FR" sz="1500" dirty="0"/>
           </a:p>
         </p:txBody>
       </p:sp>
@@ -9319,10 +9314,9 @@
           <a:p>
             <a:pPr algn="ctr"/>
             <a:r>
-              <a:rPr lang="fr-FR" sz="1500" dirty="0" err="1"/>
-              <a:t>Decodage</a:t>
+              <a:rPr lang="fr-FR" sz="1500" dirty="0"/>
+              <a:t>Décodage et calcul</a:t>
             </a:r>
-            <a:endParaRPr lang="fr-FR" sz="1500" dirty="0"/>
           </a:p>
         </p:txBody>
       </p:sp>
@@ -11039,10 +11033,9 @@
           <a:p>
             <a:pPr algn="ctr"/>
             <a:r>
-              <a:rPr lang="fr-FR" sz="1500" dirty="0" err="1"/>
-              <a:t>Decodage</a:t>
+              <a:rPr lang="fr-FR" sz="1500" dirty="0"/>
+              <a:t>Décodage et calcul</a:t>
             </a:r>
-            <a:endParaRPr lang="fr-FR" sz="1500" dirty="0"/>
           </a:p>
         </p:txBody>
       </p:sp>
@@ -12763,10 +12756,9 @@
           <a:p>
             <a:pPr algn="ctr"/>
             <a:r>
-              <a:rPr lang="fr-FR" sz="1500" dirty="0" err="1"/>
-              <a:t>Decodage</a:t>
+              <a:rPr lang="fr-FR" sz="1500" dirty="0"/>
+              <a:t>Décodage et calcul</a:t>
             </a:r>
-            <a:endParaRPr lang="fr-FR" sz="1500" dirty="0"/>
           </a:p>
         </p:txBody>
       </p:sp>
@@ -14483,10 +14475,9 @@
           <a:p>
             <a:pPr algn="ctr"/>
             <a:r>
-              <a:rPr lang="fr-FR" sz="1500" dirty="0" err="1"/>
-              <a:t>Decodage</a:t>
+              <a:rPr lang="fr-FR" sz="1500" dirty="0"/>
+              <a:t>Décodage et calcul</a:t>
             </a:r>
-            <a:endParaRPr lang="fr-FR" sz="1500" dirty="0"/>
           </a:p>
         </p:txBody>
       </p:sp>
@@ -16217,10 +16208,9 @@
           <a:p>
             <a:pPr algn="ctr"/>
             <a:r>
-              <a:rPr lang="fr-FR" sz="1500" dirty="0" err="1"/>
-              <a:t>Decodage</a:t>
+              <a:rPr lang="fr-FR" sz="1500" dirty="0"/>
+              <a:t>Décodage et calcul</a:t>
             </a:r>
-            <a:endParaRPr lang="fr-FR" sz="1500" dirty="0"/>
           </a:p>
         </p:txBody>
       </p:sp>
@@ -17947,10 +17937,9 @@
           <a:p>
             <a:pPr algn="ctr"/>
             <a:r>
-              <a:rPr lang="fr-FR" sz="1500" dirty="0" err="1"/>
-              <a:t>Decodage</a:t>
+              <a:rPr lang="fr-FR" sz="1500" dirty="0"/>
+              <a:t>Décodage et calcul</a:t>
             </a:r>
-            <a:endParaRPr lang="fr-FR" sz="1500" dirty="0"/>
           </a:p>
         </p:txBody>
       </p:sp>
@@ -19687,18 +19676,13 @@
           <a:p>
             <a:pPr algn="ctr"/>
             <a:r>
-              <a:rPr lang="fr-FR" sz="1500" dirty="0" err="1">
+              <a:rPr lang="fr-FR" sz="1500" dirty="0">
                 <a:highlight>
                   <a:srgbClr val="FFFF00"/>
                 </a:highlight>
               </a:rPr>
-              <a:t>Decodage</a:t>
+              <a:t>Décodage et calcul</a:t>
             </a:r>
-            <a:endParaRPr lang="fr-FR" sz="1500" dirty="0">
-              <a:highlight>
-                <a:srgbClr val="FFFF00"/>
-              </a:highlight>
-            </a:endParaRPr>
           </a:p>
         </p:txBody>
       </p:sp>
@@ -21435,10 +21419,9 @@
           <a:p>
             <a:pPr algn="ctr"/>
             <a:r>
-              <a:rPr lang="fr-FR" sz="1500" dirty="0" err="1"/>
-              <a:t>Decodage</a:t>
+              <a:rPr lang="fr-FR" sz="1500" dirty="0"/>
+              <a:t>Décodage et calcul</a:t>
             </a:r>
-            <a:endParaRPr lang="fr-FR" sz="1500" dirty="0"/>
           </a:p>
         </p:txBody>
       </p:sp>
@@ -23185,10 +23168,9 @@
           <a:p>
             <a:pPr algn="ctr"/>
             <a:r>
-              <a:rPr lang="fr-FR" sz="1500" dirty="0" err="1"/>
-              <a:t>Decodage</a:t>
+              <a:rPr lang="fr-FR" sz="1500" dirty="0"/>
+              <a:t>Décodage et calcul</a:t>
             </a:r>
-            <a:endParaRPr lang="fr-FR" sz="1500" dirty="0"/>
           </a:p>
         </p:txBody>
       </p:sp>
@@ -26505,10 +26487,9 @@
           <a:p>
             <a:pPr algn="ctr"/>
             <a:r>
-              <a:rPr lang="fr-FR" sz="1500" dirty="0" err="1"/>
-              <a:t>Decodage</a:t>
+              <a:rPr lang="fr-FR" sz="1500" dirty="0"/>
+              <a:t>Décodage et calcul</a:t>
             </a:r>
-            <a:endParaRPr lang="fr-FR" sz="1500" dirty="0"/>
           </a:p>
         </p:txBody>
       </p:sp>
@@ -29119,7 +29100,7 @@
                   <a:schemeClr val="bg1"/>
                 </a:solidFill>
               </a:rPr>
-              <a:t>Decodage</a:t>
+              <a:t>Décodage</a:t>
             </a:r>
             <a:r>
               <a:rPr lang="en-US" sz="2000" b="0" dirty="0">
@@ -33350,10 +33331,9 @@
           <a:p>
             <a:pPr algn="ctr"/>
             <a:r>
-              <a:rPr lang="fr-FR" sz="1500" dirty="0" err="1"/>
-              <a:t>Decodage</a:t>
+              <a:rPr lang="fr-FR" sz="1500" dirty="0"/>
+              <a:t>Décodage et calcul</a:t>
             </a:r>
-            <a:endParaRPr lang="fr-FR" sz="1500" dirty="0"/>
           </a:p>
         </p:txBody>
       </p:sp>
@@ -35043,7 +35023,10 @@
               <a:rPr lang="fr-FR" sz="1500" dirty="0" err="1"/>
               <a:t>Decodage</a:t>
             </a:r>
-            <a:endParaRPr lang="fr-FR" sz="1500" dirty="0"/>
+            <a:r>
+              <a:rPr lang="fr-FR" sz="1500" dirty="0"/>
+              <a:t> et calcul</a:t>
+            </a:r>
           </a:p>
         </p:txBody>
       </p:sp>
@@ -36744,10 +36727,9 @@
           <a:p>
             <a:pPr algn="ctr"/>
             <a:r>
-              <a:rPr lang="fr-FR" sz="1500" dirty="0" err="1"/>
-              <a:t>Decodage</a:t>
+              <a:rPr lang="fr-FR" sz="1500" dirty="0"/>
+              <a:t>Décodage et calcul</a:t>
             </a:r>
-            <a:endParaRPr lang="fr-FR" sz="1500" dirty="0"/>
           </a:p>
         </p:txBody>
       </p:sp>
@@ -38444,10 +38426,9 @@
           <a:p>
             <a:pPr algn="ctr"/>
             <a:r>
-              <a:rPr lang="fr-FR" sz="1500" dirty="0" err="1"/>
-              <a:t>Decodage</a:t>
+              <a:rPr lang="fr-FR" sz="1500" dirty="0"/>
+              <a:t>Décodage et calcul</a:t>
             </a:r>
-            <a:endParaRPr lang="fr-FR" sz="1500" dirty="0"/>
           </a:p>
         </p:txBody>
       </p:sp>
@@ -40154,10 +40135,9 @@
           <a:p>
             <a:pPr algn="ctr"/>
             <a:r>
-              <a:rPr lang="fr-FR" sz="1500" dirty="0" err="1"/>
-              <a:t>Decodage</a:t>
+              <a:rPr lang="fr-FR" sz="1500" dirty="0"/>
+              <a:t>Décodage et calcul</a:t>
             </a:r>
-            <a:endParaRPr lang="fr-FR" sz="1500" dirty="0"/>
           </a:p>
         </p:txBody>
       </p:sp>

--- a/PresentationHuffmanDecodage-lin.pptx
+++ b/PresentationHuffmanDecodage-lin.pptx
@@ -20659,6 +20659,36 @@
           </a:prstGeom>
         </p:spPr>
       </p:pic>
+      <p:pic>
+        <p:nvPicPr>
+          <p:cNvPr id="14" name="Image 13">
+            <a:extLst>
+              <a:ext uri="{FF2B5EF4-FFF2-40B4-BE49-F238E27FC236}">
+                <a16:creationId xmlns:a16="http://schemas.microsoft.com/office/drawing/2014/main" id="{A3F7505B-3C64-67B1-1676-5972116F0BCD}"/>
+              </a:ext>
+            </a:extLst>
+          </p:cNvPr>
+          <p:cNvPicPr>
+            <a:picLocks noChangeAspect="1"/>
+          </p:cNvPicPr>
+          <p:nvPr/>
+        </p:nvPicPr>
+        <p:blipFill>
+          <a:blip r:embed="rId18"/>
+          <a:stretch>
+            <a:fillRect/>
+          </a:stretch>
+        </p:blipFill>
+        <p:spPr>
+          <a:xfrm>
+            <a:off x="7934988" y="2368076"/>
+            <a:ext cx="2929886" cy="213372"/>
+          </a:xfrm>
+          <a:prstGeom prst="rect">
+            <a:avLst/>
+          </a:prstGeom>
+        </p:spPr>
+      </p:pic>
     </p:spTree>
     <p:extLst>
       <p:ext uri="{BB962C8B-B14F-4D97-AF65-F5344CB8AC3E}">
@@ -22323,7 +22353,7 @@
         </p:blipFill>
         <p:spPr>
           <a:xfrm>
-            <a:off x="4928667" y="2281834"/>
+            <a:off x="9415804" y="2359224"/>
             <a:ext cx="2581996" cy="2486094"/>
           </a:xfrm>
           <a:prstGeom prst="rect">
@@ -22402,6 +22432,36 @@
           <a:xfrm>
             <a:off x="6930758" y="102064"/>
             <a:ext cx="2328073" cy="689328"/>
+          </a:xfrm>
+          <a:prstGeom prst="rect">
+            <a:avLst/>
+          </a:prstGeom>
+        </p:spPr>
+      </p:pic>
+      <p:pic>
+        <p:nvPicPr>
+          <p:cNvPr id="14" name="Image 13">
+            <a:extLst>
+              <a:ext uri="{FF2B5EF4-FFF2-40B4-BE49-F238E27FC236}">
+                <a16:creationId xmlns:a16="http://schemas.microsoft.com/office/drawing/2014/main" id="{173A1314-DE25-510B-13EF-9A6BE89C97CA}"/>
+              </a:ext>
+            </a:extLst>
+          </p:cNvPr>
+          <p:cNvPicPr>
+            <a:picLocks noChangeAspect="1"/>
+          </p:cNvPicPr>
+          <p:nvPr/>
+        </p:nvPicPr>
+        <p:blipFill>
+          <a:blip r:embed="rId18"/>
+          <a:stretch>
+            <a:fillRect/>
+          </a:stretch>
+        </p:blipFill>
+        <p:spPr>
+          <a:xfrm>
+            <a:off x="251479" y="2743273"/>
+            <a:ext cx="8937492" cy="650882"/>
           </a:xfrm>
           <a:prstGeom prst="rect">
             <a:avLst/>
@@ -24161,6 +24221,36 @@
           </a:prstGeom>
         </p:spPr>
       </p:pic>
+      <p:pic>
+        <p:nvPicPr>
+          <p:cNvPr id="14" name="Image 13">
+            <a:extLst>
+              <a:ext uri="{FF2B5EF4-FFF2-40B4-BE49-F238E27FC236}">
+                <a16:creationId xmlns:a16="http://schemas.microsoft.com/office/drawing/2014/main" id="{5BCBB764-3AB1-AE51-FA28-01944266DD8B}"/>
+              </a:ext>
+            </a:extLst>
+          </p:cNvPr>
+          <p:cNvPicPr>
+            <a:picLocks noChangeAspect="1"/>
+          </p:cNvPicPr>
+          <p:nvPr/>
+        </p:nvPicPr>
+        <p:blipFill>
+          <a:blip r:embed="rId18"/>
+          <a:stretch>
+            <a:fillRect/>
+          </a:stretch>
+        </p:blipFill>
+        <p:spPr>
+          <a:xfrm>
+            <a:off x="7934988" y="2368076"/>
+            <a:ext cx="2929886" cy="213372"/>
+          </a:xfrm>
+          <a:prstGeom prst="rect">
+            <a:avLst/>
+          </a:prstGeom>
+        </p:spPr>
+      </p:pic>
     </p:spTree>
     <p:extLst>
       <p:ext uri="{BB962C8B-B14F-4D97-AF65-F5344CB8AC3E}">
@@ -27475,6 +27565,36 @@
           <a:xfrm>
             <a:off x="6930758" y="102064"/>
             <a:ext cx="2328073" cy="689328"/>
+          </a:xfrm>
+          <a:prstGeom prst="rect">
+            <a:avLst/>
+          </a:prstGeom>
+        </p:spPr>
+      </p:pic>
+      <p:pic>
+        <p:nvPicPr>
+          <p:cNvPr id="14" name="Image 13">
+            <a:extLst>
+              <a:ext uri="{FF2B5EF4-FFF2-40B4-BE49-F238E27FC236}">
+                <a16:creationId xmlns:a16="http://schemas.microsoft.com/office/drawing/2014/main" id="{A8432CEA-6350-05A5-3D56-B398DC4B3D3B}"/>
+              </a:ext>
+            </a:extLst>
+          </p:cNvPr>
+          <p:cNvPicPr>
+            <a:picLocks noChangeAspect="1"/>
+          </p:cNvPicPr>
+          <p:nvPr/>
+        </p:nvPicPr>
+        <p:blipFill>
+          <a:blip r:embed="rId18"/>
+          <a:stretch>
+            <a:fillRect/>
+          </a:stretch>
+        </p:blipFill>
+        <p:spPr>
+          <a:xfrm>
+            <a:off x="7934988" y="2368076"/>
+            <a:ext cx="2929886" cy="213372"/>
           </a:xfrm>
           <a:prstGeom prst="rect">
             <a:avLst/>
